--- a/SelfSeminar_1_DBandDBMS.pptx
+++ b/SelfSeminar_1_DBandDBMS.pptx
@@ -275,7 +275,7 @@
           <a:p>
             <a:fld id="{1F6DC22F-344D-4D79-BABD-79DA042244C8}" type="datetimeFigureOut">
               <a:rPr lang="ko-KR" altLang="en-US" smtClean="0"/>
-              <a:t>2020-10-26</a:t>
+              <a:t>2020-10-31</a:t>
             </a:fld>
             <a:endParaRPr lang="ko-KR" altLang="en-US"/>
           </a:p>
@@ -473,7 +473,7 @@
           <a:p>
             <a:fld id="{1F6DC22F-344D-4D79-BABD-79DA042244C8}" type="datetimeFigureOut">
               <a:rPr lang="ko-KR" altLang="en-US" smtClean="0"/>
-              <a:t>2020-10-26</a:t>
+              <a:t>2020-10-31</a:t>
             </a:fld>
             <a:endParaRPr lang="ko-KR" altLang="en-US"/>
           </a:p>
@@ -681,7 +681,7 @@
           <a:p>
             <a:fld id="{1F6DC22F-344D-4D79-BABD-79DA042244C8}" type="datetimeFigureOut">
               <a:rPr lang="ko-KR" altLang="en-US" smtClean="0"/>
-              <a:t>2020-10-26</a:t>
+              <a:t>2020-10-31</a:t>
             </a:fld>
             <a:endParaRPr lang="ko-KR" altLang="en-US"/>
           </a:p>
@@ -879,7 +879,7 @@
           <a:p>
             <a:fld id="{1F6DC22F-344D-4D79-BABD-79DA042244C8}" type="datetimeFigureOut">
               <a:rPr lang="ko-KR" altLang="en-US" smtClean="0"/>
-              <a:t>2020-10-26</a:t>
+              <a:t>2020-10-31</a:t>
             </a:fld>
             <a:endParaRPr lang="ko-KR" altLang="en-US"/>
           </a:p>
@@ -1154,7 +1154,7 @@
           <a:p>
             <a:fld id="{1F6DC22F-344D-4D79-BABD-79DA042244C8}" type="datetimeFigureOut">
               <a:rPr lang="ko-KR" altLang="en-US" smtClean="0"/>
-              <a:t>2020-10-26</a:t>
+              <a:t>2020-10-31</a:t>
             </a:fld>
             <a:endParaRPr lang="ko-KR" altLang="en-US"/>
           </a:p>
@@ -1419,7 +1419,7 @@
           <a:p>
             <a:fld id="{1F6DC22F-344D-4D79-BABD-79DA042244C8}" type="datetimeFigureOut">
               <a:rPr lang="ko-KR" altLang="en-US" smtClean="0"/>
-              <a:t>2020-10-26</a:t>
+              <a:t>2020-10-31</a:t>
             </a:fld>
             <a:endParaRPr lang="ko-KR" altLang="en-US"/>
           </a:p>
@@ -1831,7 +1831,7 @@
           <a:p>
             <a:fld id="{1F6DC22F-344D-4D79-BABD-79DA042244C8}" type="datetimeFigureOut">
               <a:rPr lang="ko-KR" altLang="en-US" smtClean="0"/>
-              <a:t>2020-10-26</a:t>
+              <a:t>2020-10-31</a:t>
             </a:fld>
             <a:endParaRPr lang="ko-KR" altLang="en-US"/>
           </a:p>
@@ -1972,7 +1972,7 @@
           <a:p>
             <a:fld id="{1F6DC22F-344D-4D79-BABD-79DA042244C8}" type="datetimeFigureOut">
               <a:rPr lang="ko-KR" altLang="en-US" smtClean="0"/>
-              <a:t>2020-10-26</a:t>
+              <a:t>2020-10-31</a:t>
             </a:fld>
             <a:endParaRPr lang="ko-KR" altLang="en-US"/>
           </a:p>
@@ -2085,7 +2085,7 @@
           <a:p>
             <a:fld id="{1F6DC22F-344D-4D79-BABD-79DA042244C8}" type="datetimeFigureOut">
               <a:rPr lang="ko-KR" altLang="en-US" smtClean="0"/>
-              <a:t>2020-10-26</a:t>
+              <a:t>2020-10-31</a:t>
             </a:fld>
             <a:endParaRPr lang="ko-KR" altLang="en-US"/>
           </a:p>
@@ -2396,7 +2396,7 @@
           <a:p>
             <a:fld id="{1F6DC22F-344D-4D79-BABD-79DA042244C8}" type="datetimeFigureOut">
               <a:rPr lang="ko-KR" altLang="en-US" smtClean="0"/>
-              <a:t>2020-10-26</a:t>
+              <a:t>2020-10-31</a:t>
             </a:fld>
             <a:endParaRPr lang="ko-KR" altLang="en-US"/>
           </a:p>
@@ -2684,7 +2684,7 @@
           <a:p>
             <a:fld id="{1F6DC22F-344D-4D79-BABD-79DA042244C8}" type="datetimeFigureOut">
               <a:rPr lang="ko-KR" altLang="en-US" smtClean="0"/>
-              <a:t>2020-10-26</a:t>
+              <a:t>2020-10-31</a:t>
             </a:fld>
             <a:endParaRPr lang="ko-KR" altLang="en-US"/>
           </a:p>
@@ -2925,7 +2925,7 @@
           <a:p>
             <a:fld id="{1F6DC22F-344D-4D79-BABD-79DA042244C8}" type="datetimeFigureOut">
               <a:rPr lang="ko-KR" altLang="en-US" smtClean="0"/>
-              <a:t>2020-10-26</a:t>
+              <a:t>2020-10-31</a:t>
             </a:fld>
             <a:endParaRPr lang="ko-KR" altLang="en-US"/>
           </a:p>
@@ -3676,12 +3676,28 @@
           <a:lstStyle/>
           <a:p>
             <a:r>
-              <a:rPr lang="en-US" altLang="ko-KR" sz="2800">
+              <a:rPr lang="en-US" altLang="ko-KR" sz="2800" dirty="0">
                 <a:solidFill>
                   <a:srgbClr val="000000"/>
                 </a:solidFill>
               </a:rPr>
-              <a:t>SNU Linguistics &amp; CSE Jeong Daeyong</a:t>
+              <a:t>SNU Linguistics &amp; CSE </a:t>
+            </a:r>
+            <a:r>
+              <a:rPr lang="en-US" altLang="ko-KR" sz="2800" dirty="0" err="1">
+                <a:solidFill>
+                  <a:srgbClr val="000000"/>
+                </a:solidFill>
+              </a:rPr>
+              <a:t>Jeong</a:t>
+            </a:r>
+            <a:r>
+              <a:rPr lang="en-US" altLang="ko-KR" sz="2800" dirty="0">
+                <a:solidFill>
+                  <a:srgbClr val="000000"/>
+                </a:solidFill>
+              </a:rPr>
+              <a:t> Daeyong</a:t>
             </a:r>
           </a:p>
         </p:txBody>
